--- a/assets/data_to_recommendation.pptx
+++ b/assets/data_to_recommendation.pptx
@@ -2,12 +2,12 @@
 <file path=ppt/presentation.xml><?xml version="1.0" encoding="utf-8"?>
 <p:presentation xmlns:a="http://schemas.openxmlformats.org/drawingml/2006/main" xmlns:r="http://schemas.openxmlformats.org/officeDocument/2006/relationships" xmlns:p="http://schemas.openxmlformats.org/presentationml/2006/main" saveSubsetFonts="1">
   <p:sldMasterIdLst>
-    <p:sldMasterId id="2147483660" r:id="rId1"/>
+    <p:sldMasterId id="2147483672" r:id="rId1"/>
   </p:sldMasterIdLst>
   <p:sldIdLst>
     <p:sldId id="256" r:id="rId2"/>
   </p:sldIdLst>
-  <p:sldSz cx="5486400" cy="5486400"/>
+  <p:sldSz cx="5486400" cy="2743200"/>
   <p:notesSz cx="6858000" cy="9144000"/>
   <p:defaultTextStyle>
     <a:defPPr>
@@ -104,6 +104,11 @@
       </a:defRPr>
     </a:lvl9pPr>
   </p:defaultTextStyle>
+  <p:extLst>
+    <p:ext uri="{EFAFB233-063F-42B5-8137-9DF3F51BA10A}">
+      <p15:sldGuideLst xmlns:p15="http://schemas.microsoft.com/office/powerpoint/2012/main"/>
+    </p:ext>
+  </p:extLst>
 </p:presentation>
 </file>
 
@@ -136,15 +141,15 @@
         </p:nvSpPr>
         <p:spPr>
           <a:xfrm>
-            <a:off x="411480" y="897890"/>
-            <a:ext cx="4663440" cy="1910080"/>
+            <a:off x="685800" y="448945"/>
+            <a:ext cx="4114800" cy="955040"/>
           </a:xfrm>
         </p:spPr>
         <p:txBody>
           <a:bodyPr anchor="b"/>
           <a:lstStyle>
             <a:lvl1pPr algn="ctr">
-              <a:defRPr sz="3600"/>
+              <a:defRPr sz="2400"/>
             </a:lvl1pPr>
           </a:lstStyle>
           <a:p>
@@ -168,8 +173,8 @@
         </p:nvSpPr>
         <p:spPr>
           <a:xfrm>
-            <a:off x="685800" y="2881630"/>
-            <a:ext cx="4114800" cy="1324610"/>
+            <a:off x="685800" y="1440815"/>
+            <a:ext cx="4114800" cy="662305"/>
           </a:xfrm>
         </p:spPr>
         <p:txBody>
@@ -177,39 +182,39 @@
           <a:lstStyle>
             <a:lvl1pPr marL="0" indent="0" algn="ctr">
               <a:buNone/>
-              <a:defRPr sz="1440"/>
+              <a:defRPr sz="960"/>
             </a:lvl1pPr>
-            <a:lvl2pPr marL="274320" indent="0" algn="ctr">
-              <a:buNone/>
-              <a:defRPr sz="1200"/>
+            <a:lvl2pPr marL="182880" indent="0" algn="ctr">
+              <a:buNone/>
+              <a:defRPr sz="800"/>
             </a:lvl2pPr>
-            <a:lvl3pPr marL="548640" indent="0" algn="ctr">
-              <a:buNone/>
-              <a:defRPr sz="1080"/>
+            <a:lvl3pPr marL="365760" indent="0" algn="ctr">
+              <a:buNone/>
+              <a:defRPr sz="720"/>
             </a:lvl3pPr>
-            <a:lvl4pPr marL="822960" indent="0" algn="ctr">
-              <a:buNone/>
-              <a:defRPr sz="960"/>
+            <a:lvl4pPr marL="548640" indent="0" algn="ctr">
+              <a:buNone/>
+              <a:defRPr sz="640"/>
             </a:lvl4pPr>
-            <a:lvl5pPr marL="1097280" indent="0" algn="ctr">
-              <a:buNone/>
-              <a:defRPr sz="960"/>
+            <a:lvl5pPr marL="731520" indent="0" algn="ctr">
+              <a:buNone/>
+              <a:defRPr sz="640"/>
             </a:lvl5pPr>
-            <a:lvl6pPr marL="1371600" indent="0" algn="ctr">
-              <a:buNone/>
-              <a:defRPr sz="960"/>
+            <a:lvl6pPr marL="914400" indent="0" algn="ctr">
+              <a:buNone/>
+              <a:defRPr sz="640"/>
             </a:lvl6pPr>
-            <a:lvl7pPr marL="1645920" indent="0" algn="ctr">
-              <a:buNone/>
-              <a:defRPr sz="960"/>
+            <a:lvl7pPr marL="1097280" indent="0" algn="ctr">
+              <a:buNone/>
+              <a:defRPr sz="640"/>
             </a:lvl7pPr>
-            <a:lvl8pPr marL="1920240" indent="0" algn="ctr">
-              <a:buNone/>
-              <a:defRPr sz="960"/>
+            <a:lvl8pPr marL="1280160" indent="0" algn="ctr">
+              <a:buNone/>
+              <a:defRPr sz="640"/>
             </a:lvl8pPr>
-            <a:lvl9pPr marL="2194560" indent="0" algn="ctr">
-              <a:buNone/>
-              <a:defRPr sz="960"/>
+            <a:lvl9pPr marL="1463040" indent="0" algn="ctr">
+              <a:buNone/>
+              <a:defRPr sz="640"/>
             </a:lvl9pPr>
           </a:lstStyle>
           <a:p>
@@ -289,7 +294,7 @@
     </p:spTree>
     <p:extLst>
       <p:ext uri="{BB962C8B-B14F-4D97-AF65-F5344CB8AC3E}">
-        <p14:creationId xmlns:p14="http://schemas.microsoft.com/office/powerpoint/2010/main" val="1919854449"/>
+        <p14:creationId xmlns:p14="http://schemas.microsoft.com/office/powerpoint/2010/main" val="3781519120"/>
       </p:ext>
     </p:extLst>
   </p:cSld>
@@ -459,7 +464,7 @@
     </p:spTree>
     <p:extLst>
       <p:ext uri="{BB962C8B-B14F-4D97-AF65-F5344CB8AC3E}">
-        <p14:creationId xmlns:p14="http://schemas.microsoft.com/office/powerpoint/2010/main" val="4003119342"/>
+        <p14:creationId xmlns:p14="http://schemas.microsoft.com/office/powerpoint/2010/main" val="3504146737"/>
       </p:ext>
     </p:extLst>
   </p:cSld>
@@ -498,8 +503,8 @@
         </p:nvSpPr>
         <p:spPr>
           <a:xfrm>
-            <a:off x="3926205" y="292100"/>
-            <a:ext cx="1183005" cy="4649470"/>
+            <a:off x="3926205" y="146050"/>
+            <a:ext cx="1183005" cy="2324735"/>
           </a:xfrm>
         </p:spPr>
         <p:txBody>
@@ -526,8 +531,8 @@
         </p:nvSpPr>
         <p:spPr>
           <a:xfrm>
-            <a:off x="377190" y="292100"/>
-            <a:ext cx="3480435" cy="4649470"/>
+            <a:off x="377190" y="146050"/>
+            <a:ext cx="3480435" cy="2324735"/>
           </a:xfrm>
         </p:spPr>
         <p:txBody>
@@ -639,7 +644,7 @@
     </p:spTree>
     <p:extLst>
       <p:ext uri="{BB962C8B-B14F-4D97-AF65-F5344CB8AC3E}">
-        <p14:creationId xmlns:p14="http://schemas.microsoft.com/office/powerpoint/2010/main" val="3810302998"/>
+        <p14:creationId xmlns:p14="http://schemas.microsoft.com/office/powerpoint/2010/main" val="1200820746"/>
       </p:ext>
     </p:extLst>
   </p:cSld>
@@ -809,7 +814,7 @@
     </p:spTree>
     <p:extLst>
       <p:ext uri="{BB962C8B-B14F-4D97-AF65-F5344CB8AC3E}">
-        <p14:creationId xmlns:p14="http://schemas.microsoft.com/office/powerpoint/2010/main" val="2140225625"/>
+        <p14:creationId xmlns:p14="http://schemas.microsoft.com/office/powerpoint/2010/main" val="2252866916"/>
       </p:ext>
     </p:extLst>
   </p:cSld>
@@ -848,15 +853,15 @@
         </p:nvSpPr>
         <p:spPr>
           <a:xfrm>
-            <a:off x="374333" y="1367791"/>
-            <a:ext cx="4732020" cy="2282190"/>
+            <a:off x="374333" y="683895"/>
+            <a:ext cx="4732020" cy="1141095"/>
           </a:xfrm>
         </p:spPr>
         <p:txBody>
           <a:bodyPr anchor="b"/>
           <a:lstStyle>
             <a:lvl1pPr>
-              <a:defRPr sz="3600"/>
+              <a:defRPr sz="2400"/>
             </a:lvl1pPr>
           </a:lstStyle>
           <a:p>
@@ -880,8 +885,8 @@
         </p:nvSpPr>
         <p:spPr>
           <a:xfrm>
-            <a:off x="374333" y="3671571"/>
-            <a:ext cx="4732020" cy="1200150"/>
+            <a:off x="374333" y="1835785"/>
+            <a:ext cx="4732020" cy="600075"/>
           </a:xfrm>
         </p:spPr>
         <p:txBody>
@@ -889,15 +894,17 @@
           <a:lstStyle>
             <a:lvl1pPr marL="0" indent="0">
               <a:buNone/>
-              <a:defRPr sz="1440">
+              <a:defRPr sz="960">
                 <a:solidFill>
-                  <a:schemeClr val="tx1"/>
+                  <a:schemeClr val="tx1">
+                    <a:tint val="75000"/>
+                  </a:schemeClr>
                 </a:solidFill>
               </a:defRPr>
             </a:lvl1pPr>
-            <a:lvl2pPr marL="274320" indent="0">
-              <a:buNone/>
-              <a:defRPr sz="1200">
+            <a:lvl2pPr marL="182880" indent="0">
+              <a:buNone/>
+              <a:defRPr sz="800">
                 <a:solidFill>
                   <a:schemeClr val="tx1">
                     <a:tint val="75000"/>
@@ -905,9 +912,9 @@
                 </a:solidFill>
               </a:defRPr>
             </a:lvl2pPr>
-            <a:lvl3pPr marL="548640" indent="0">
-              <a:buNone/>
-              <a:defRPr sz="1080">
+            <a:lvl3pPr marL="365760" indent="0">
+              <a:buNone/>
+              <a:defRPr sz="720">
                 <a:solidFill>
                   <a:schemeClr val="tx1">
                     <a:tint val="75000"/>
@@ -915,9 +922,9 @@
                 </a:solidFill>
               </a:defRPr>
             </a:lvl3pPr>
-            <a:lvl4pPr marL="822960" indent="0">
-              <a:buNone/>
-              <a:defRPr sz="960">
+            <a:lvl4pPr marL="548640" indent="0">
+              <a:buNone/>
+              <a:defRPr sz="640">
                 <a:solidFill>
                   <a:schemeClr val="tx1">
                     <a:tint val="75000"/>
@@ -925,9 +932,9 @@
                 </a:solidFill>
               </a:defRPr>
             </a:lvl4pPr>
-            <a:lvl5pPr marL="1097280" indent="0">
-              <a:buNone/>
-              <a:defRPr sz="960">
+            <a:lvl5pPr marL="731520" indent="0">
+              <a:buNone/>
+              <a:defRPr sz="640">
                 <a:solidFill>
                   <a:schemeClr val="tx1">
                     <a:tint val="75000"/>
@@ -935,9 +942,9 @@
                 </a:solidFill>
               </a:defRPr>
             </a:lvl5pPr>
-            <a:lvl6pPr marL="1371600" indent="0">
-              <a:buNone/>
-              <a:defRPr sz="960">
+            <a:lvl6pPr marL="914400" indent="0">
+              <a:buNone/>
+              <a:defRPr sz="640">
                 <a:solidFill>
                   <a:schemeClr val="tx1">
                     <a:tint val="75000"/>
@@ -945,9 +952,9 @@
                 </a:solidFill>
               </a:defRPr>
             </a:lvl6pPr>
-            <a:lvl7pPr marL="1645920" indent="0">
-              <a:buNone/>
-              <a:defRPr sz="960">
+            <a:lvl7pPr marL="1097280" indent="0">
+              <a:buNone/>
+              <a:defRPr sz="640">
                 <a:solidFill>
                   <a:schemeClr val="tx1">
                     <a:tint val="75000"/>
@@ -955,9 +962,9 @@
                 </a:solidFill>
               </a:defRPr>
             </a:lvl7pPr>
-            <a:lvl8pPr marL="1920240" indent="0">
-              <a:buNone/>
-              <a:defRPr sz="960">
+            <a:lvl8pPr marL="1280160" indent="0">
+              <a:buNone/>
+              <a:defRPr sz="640">
                 <a:solidFill>
                   <a:schemeClr val="tx1">
                     <a:tint val="75000"/>
@@ -965,9 +972,9 @@
                 </a:solidFill>
               </a:defRPr>
             </a:lvl8pPr>
-            <a:lvl9pPr marL="2194560" indent="0">
-              <a:buNone/>
-              <a:defRPr sz="960">
+            <a:lvl9pPr marL="1463040" indent="0">
+              <a:buNone/>
+              <a:defRPr sz="640">
                 <a:solidFill>
                   <a:schemeClr val="tx1">
                     <a:tint val="75000"/>
@@ -1053,7 +1060,7 @@
     </p:spTree>
     <p:extLst>
       <p:ext uri="{BB962C8B-B14F-4D97-AF65-F5344CB8AC3E}">
-        <p14:creationId xmlns:p14="http://schemas.microsoft.com/office/powerpoint/2010/main" val="960377009"/>
+        <p14:creationId xmlns:p14="http://schemas.microsoft.com/office/powerpoint/2010/main" val="162461348"/>
       </p:ext>
     </p:extLst>
   </p:cSld>
@@ -1115,8 +1122,8 @@
         </p:nvSpPr>
         <p:spPr>
           <a:xfrm>
-            <a:off x="377190" y="1460500"/>
-            <a:ext cx="2331720" cy="3481070"/>
+            <a:off x="377190" y="730250"/>
+            <a:ext cx="2331720" cy="1740535"/>
           </a:xfrm>
         </p:spPr>
         <p:txBody>
@@ -1172,8 +1179,8 @@
         </p:nvSpPr>
         <p:spPr>
           <a:xfrm>
-            <a:off x="2777490" y="1460500"/>
-            <a:ext cx="2331720" cy="3481070"/>
+            <a:off x="2777490" y="730250"/>
+            <a:ext cx="2331720" cy="1740535"/>
           </a:xfrm>
         </p:spPr>
         <p:txBody>
@@ -1285,7 +1292,7 @@
     </p:spTree>
     <p:extLst>
       <p:ext uri="{BB962C8B-B14F-4D97-AF65-F5344CB8AC3E}">
-        <p14:creationId xmlns:p14="http://schemas.microsoft.com/office/powerpoint/2010/main" val="3290139797"/>
+        <p14:creationId xmlns:p14="http://schemas.microsoft.com/office/powerpoint/2010/main" val="2298975109"/>
       </p:ext>
     </p:extLst>
   </p:cSld>
@@ -1324,8 +1331,8 @@
         </p:nvSpPr>
         <p:spPr>
           <a:xfrm>
-            <a:off x="377905" y="292101"/>
-            <a:ext cx="4732020" cy="1060450"/>
+            <a:off x="377905" y="146050"/>
+            <a:ext cx="4732020" cy="530225"/>
           </a:xfrm>
         </p:spPr>
         <p:txBody>
@@ -1352,8 +1359,8 @@
         </p:nvSpPr>
         <p:spPr>
           <a:xfrm>
-            <a:off x="377905" y="1344930"/>
-            <a:ext cx="2321004" cy="659130"/>
+            <a:off x="377905" y="672465"/>
+            <a:ext cx="2321004" cy="329565"/>
           </a:xfrm>
         </p:spPr>
         <p:txBody>
@@ -1361,39 +1368,39 @@
           <a:lstStyle>
             <a:lvl1pPr marL="0" indent="0">
               <a:buNone/>
-              <a:defRPr sz="1440" b="1"/>
+              <a:defRPr sz="960" b="1"/>
             </a:lvl1pPr>
-            <a:lvl2pPr marL="274320" indent="0">
-              <a:buNone/>
-              <a:defRPr sz="1200" b="1"/>
+            <a:lvl2pPr marL="182880" indent="0">
+              <a:buNone/>
+              <a:defRPr sz="800" b="1"/>
             </a:lvl2pPr>
-            <a:lvl3pPr marL="548640" indent="0">
-              <a:buNone/>
-              <a:defRPr sz="1080" b="1"/>
+            <a:lvl3pPr marL="365760" indent="0">
+              <a:buNone/>
+              <a:defRPr sz="720" b="1"/>
             </a:lvl3pPr>
-            <a:lvl4pPr marL="822960" indent="0">
-              <a:buNone/>
-              <a:defRPr sz="960" b="1"/>
+            <a:lvl4pPr marL="548640" indent="0">
+              <a:buNone/>
+              <a:defRPr sz="640" b="1"/>
             </a:lvl4pPr>
-            <a:lvl5pPr marL="1097280" indent="0">
-              <a:buNone/>
-              <a:defRPr sz="960" b="1"/>
+            <a:lvl5pPr marL="731520" indent="0">
+              <a:buNone/>
+              <a:defRPr sz="640" b="1"/>
             </a:lvl5pPr>
-            <a:lvl6pPr marL="1371600" indent="0">
-              <a:buNone/>
-              <a:defRPr sz="960" b="1"/>
+            <a:lvl6pPr marL="914400" indent="0">
+              <a:buNone/>
+              <a:defRPr sz="640" b="1"/>
             </a:lvl6pPr>
-            <a:lvl7pPr marL="1645920" indent="0">
-              <a:buNone/>
-              <a:defRPr sz="960" b="1"/>
+            <a:lvl7pPr marL="1097280" indent="0">
+              <a:buNone/>
+              <a:defRPr sz="640" b="1"/>
             </a:lvl7pPr>
-            <a:lvl8pPr marL="1920240" indent="0">
-              <a:buNone/>
-              <a:defRPr sz="960" b="1"/>
+            <a:lvl8pPr marL="1280160" indent="0">
+              <a:buNone/>
+              <a:defRPr sz="640" b="1"/>
             </a:lvl8pPr>
-            <a:lvl9pPr marL="2194560" indent="0">
-              <a:buNone/>
-              <a:defRPr sz="960" b="1"/>
+            <a:lvl9pPr marL="1463040" indent="0">
+              <a:buNone/>
+              <a:defRPr sz="640" b="1"/>
             </a:lvl9pPr>
           </a:lstStyle>
           <a:p>
@@ -1417,8 +1424,8 @@
         </p:nvSpPr>
         <p:spPr>
           <a:xfrm>
-            <a:off x="377905" y="2004060"/>
-            <a:ext cx="2321004" cy="2947670"/>
+            <a:off x="377905" y="1002030"/>
+            <a:ext cx="2321004" cy="1473835"/>
           </a:xfrm>
         </p:spPr>
         <p:txBody>
@@ -1474,8 +1481,8 @@
         </p:nvSpPr>
         <p:spPr>
           <a:xfrm>
-            <a:off x="2777490" y="1344930"/>
-            <a:ext cx="2332435" cy="659130"/>
+            <a:off x="2777490" y="672465"/>
+            <a:ext cx="2332435" cy="329565"/>
           </a:xfrm>
         </p:spPr>
         <p:txBody>
@@ -1483,39 +1490,39 @@
           <a:lstStyle>
             <a:lvl1pPr marL="0" indent="0">
               <a:buNone/>
-              <a:defRPr sz="1440" b="1"/>
+              <a:defRPr sz="960" b="1"/>
             </a:lvl1pPr>
-            <a:lvl2pPr marL="274320" indent="0">
-              <a:buNone/>
-              <a:defRPr sz="1200" b="1"/>
+            <a:lvl2pPr marL="182880" indent="0">
+              <a:buNone/>
+              <a:defRPr sz="800" b="1"/>
             </a:lvl2pPr>
-            <a:lvl3pPr marL="548640" indent="0">
-              <a:buNone/>
-              <a:defRPr sz="1080" b="1"/>
+            <a:lvl3pPr marL="365760" indent="0">
+              <a:buNone/>
+              <a:defRPr sz="720" b="1"/>
             </a:lvl3pPr>
-            <a:lvl4pPr marL="822960" indent="0">
-              <a:buNone/>
-              <a:defRPr sz="960" b="1"/>
+            <a:lvl4pPr marL="548640" indent="0">
+              <a:buNone/>
+              <a:defRPr sz="640" b="1"/>
             </a:lvl4pPr>
-            <a:lvl5pPr marL="1097280" indent="0">
-              <a:buNone/>
-              <a:defRPr sz="960" b="1"/>
+            <a:lvl5pPr marL="731520" indent="0">
+              <a:buNone/>
+              <a:defRPr sz="640" b="1"/>
             </a:lvl5pPr>
-            <a:lvl6pPr marL="1371600" indent="0">
-              <a:buNone/>
-              <a:defRPr sz="960" b="1"/>
+            <a:lvl6pPr marL="914400" indent="0">
+              <a:buNone/>
+              <a:defRPr sz="640" b="1"/>
             </a:lvl6pPr>
-            <a:lvl7pPr marL="1645920" indent="0">
-              <a:buNone/>
-              <a:defRPr sz="960" b="1"/>
+            <a:lvl7pPr marL="1097280" indent="0">
+              <a:buNone/>
+              <a:defRPr sz="640" b="1"/>
             </a:lvl7pPr>
-            <a:lvl8pPr marL="1920240" indent="0">
-              <a:buNone/>
-              <a:defRPr sz="960" b="1"/>
+            <a:lvl8pPr marL="1280160" indent="0">
+              <a:buNone/>
+              <a:defRPr sz="640" b="1"/>
             </a:lvl8pPr>
-            <a:lvl9pPr marL="2194560" indent="0">
-              <a:buNone/>
-              <a:defRPr sz="960" b="1"/>
+            <a:lvl9pPr marL="1463040" indent="0">
+              <a:buNone/>
+              <a:defRPr sz="640" b="1"/>
             </a:lvl9pPr>
           </a:lstStyle>
           <a:p>
@@ -1539,8 +1546,8 @@
         </p:nvSpPr>
         <p:spPr>
           <a:xfrm>
-            <a:off x="2777490" y="2004060"/>
-            <a:ext cx="2332435" cy="2947670"/>
+            <a:off x="2777490" y="1002030"/>
+            <a:ext cx="2332435" cy="1473835"/>
           </a:xfrm>
         </p:spPr>
         <p:txBody>
@@ -1652,7 +1659,7 @@
     </p:spTree>
     <p:extLst>
       <p:ext uri="{BB962C8B-B14F-4D97-AF65-F5344CB8AC3E}">
-        <p14:creationId xmlns:p14="http://schemas.microsoft.com/office/powerpoint/2010/main" val="3677580654"/>
+        <p14:creationId xmlns:p14="http://schemas.microsoft.com/office/powerpoint/2010/main" val="3596694091"/>
       </p:ext>
     </p:extLst>
   </p:cSld>
@@ -1770,7 +1777,7 @@
     </p:spTree>
     <p:extLst>
       <p:ext uri="{BB962C8B-B14F-4D97-AF65-F5344CB8AC3E}">
-        <p14:creationId xmlns:p14="http://schemas.microsoft.com/office/powerpoint/2010/main" val="3377298612"/>
+        <p14:creationId xmlns:p14="http://schemas.microsoft.com/office/powerpoint/2010/main" val="1884972169"/>
       </p:ext>
     </p:extLst>
   </p:cSld>
@@ -1865,7 +1872,7 @@
     </p:spTree>
     <p:extLst>
       <p:ext uri="{BB962C8B-B14F-4D97-AF65-F5344CB8AC3E}">
-        <p14:creationId xmlns:p14="http://schemas.microsoft.com/office/powerpoint/2010/main" val="3479940266"/>
+        <p14:creationId xmlns:p14="http://schemas.microsoft.com/office/powerpoint/2010/main" val="1793500757"/>
       </p:ext>
     </p:extLst>
   </p:cSld>
@@ -1904,15 +1911,15 @@
         </p:nvSpPr>
         <p:spPr>
           <a:xfrm>
-            <a:off x="377905" y="365760"/>
-            <a:ext cx="1769507" cy="1280160"/>
+            <a:off x="377905" y="182880"/>
+            <a:ext cx="1769507" cy="640080"/>
           </a:xfrm>
         </p:spPr>
         <p:txBody>
           <a:bodyPr anchor="b"/>
           <a:lstStyle>
             <a:lvl1pPr>
-              <a:defRPr sz="1920"/>
+              <a:defRPr sz="1280"/>
             </a:lvl1pPr>
           </a:lstStyle>
           <a:p>
@@ -1936,39 +1943,39 @@
         </p:nvSpPr>
         <p:spPr>
           <a:xfrm>
-            <a:off x="2332435" y="789941"/>
-            <a:ext cx="2777490" cy="3898900"/>
+            <a:off x="2332435" y="394970"/>
+            <a:ext cx="2777490" cy="1949450"/>
           </a:xfrm>
         </p:spPr>
         <p:txBody>
           <a:bodyPr/>
           <a:lstStyle>
             <a:lvl1pPr>
-              <a:defRPr sz="1920"/>
+              <a:defRPr sz="1280"/>
             </a:lvl1pPr>
             <a:lvl2pPr>
-              <a:defRPr sz="1680"/>
+              <a:defRPr sz="1120"/>
             </a:lvl2pPr>
             <a:lvl3pPr>
-              <a:defRPr sz="1440"/>
+              <a:defRPr sz="960"/>
             </a:lvl3pPr>
             <a:lvl4pPr>
-              <a:defRPr sz="1200"/>
+              <a:defRPr sz="800"/>
             </a:lvl4pPr>
             <a:lvl5pPr>
-              <a:defRPr sz="1200"/>
+              <a:defRPr sz="800"/>
             </a:lvl5pPr>
             <a:lvl6pPr>
-              <a:defRPr sz="1200"/>
+              <a:defRPr sz="800"/>
             </a:lvl6pPr>
             <a:lvl7pPr>
-              <a:defRPr sz="1200"/>
+              <a:defRPr sz="800"/>
             </a:lvl7pPr>
             <a:lvl8pPr>
-              <a:defRPr sz="1200"/>
+              <a:defRPr sz="800"/>
             </a:lvl8pPr>
             <a:lvl9pPr>
-              <a:defRPr sz="1200"/>
+              <a:defRPr sz="800"/>
             </a:lvl9pPr>
           </a:lstStyle>
           <a:p>
@@ -2021,8 +2028,8 @@
         </p:nvSpPr>
         <p:spPr>
           <a:xfrm>
-            <a:off x="377905" y="1645920"/>
-            <a:ext cx="1769507" cy="3049270"/>
+            <a:off x="377905" y="822960"/>
+            <a:ext cx="1769507" cy="1524635"/>
           </a:xfrm>
         </p:spPr>
         <p:txBody>
@@ -2030,39 +2037,39 @@
           <a:lstStyle>
             <a:lvl1pPr marL="0" indent="0">
               <a:buNone/>
-              <a:defRPr sz="960"/>
+              <a:defRPr sz="640"/>
             </a:lvl1pPr>
-            <a:lvl2pPr marL="274320" indent="0">
-              <a:buNone/>
-              <a:defRPr sz="840"/>
+            <a:lvl2pPr marL="182880" indent="0">
+              <a:buNone/>
+              <a:defRPr sz="560"/>
             </a:lvl2pPr>
-            <a:lvl3pPr marL="548640" indent="0">
-              <a:buNone/>
-              <a:defRPr sz="720"/>
+            <a:lvl3pPr marL="365760" indent="0">
+              <a:buNone/>
+              <a:defRPr sz="480"/>
             </a:lvl3pPr>
-            <a:lvl4pPr marL="822960" indent="0">
-              <a:buNone/>
-              <a:defRPr sz="600"/>
+            <a:lvl4pPr marL="548640" indent="0">
+              <a:buNone/>
+              <a:defRPr sz="400"/>
             </a:lvl4pPr>
-            <a:lvl5pPr marL="1097280" indent="0">
-              <a:buNone/>
-              <a:defRPr sz="600"/>
+            <a:lvl5pPr marL="731520" indent="0">
+              <a:buNone/>
+              <a:defRPr sz="400"/>
             </a:lvl5pPr>
-            <a:lvl6pPr marL="1371600" indent="0">
-              <a:buNone/>
-              <a:defRPr sz="600"/>
+            <a:lvl6pPr marL="914400" indent="0">
+              <a:buNone/>
+              <a:defRPr sz="400"/>
             </a:lvl6pPr>
-            <a:lvl7pPr marL="1645920" indent="0">
-              <a:buNone/>
-              <a:defRPr sz="600"/>
+            <a:lvl7pPr marL="1097280" indent="0">
+              <a:buNone/>
+              <a:defRPr sz="400"/>
             </a:lvl7pPr>
-            <a:lvl8pPr marL="1920240" indent="0">
-              <a:buNone/>
-              <a:defRPr sz="600"/>
+            <a:lvl8pPr marL="1280160" indent="0">
+              <a:buNone/>
+              <a:defRPr sz="400"/>
             </a:lvl8pPr>
-            <a:lvl9pPr marL="2194560" indent="0">
-              <a:buNone/>
-              <a:defRPr sz="600"/>
+            <a:lvl9pPr marL="1463040" indent="0">
+              <a:buNone/>
+              <a:defRPr sz="400"/>
             </a:lvl9pPr>
           </a:lstStyle>
           <a:p>
@@ -2142,7 +2149,7 @@
     </p:spTree>
     <p:extLst>
       <p:ext uri="{BB962C8B-B14F-4D97-AF65-F5344CB8AC3E}">
-        <p14:creationId xmlns:p14="http://schemas.microsoft.com/office/powerpoint/2010/main" val="2455457288"/>
+        <p14:creationId xmlns:p14="http://schemas.microsoft.com/office/powerpoint/2010/main" val="84903132"/>
       </p:ext>
     </p:extLst>
   </p:cSld>
@@ -2181,15 +2188,15 @@
         </p:nvSpPr>
         <p:spPr>
           <a:xfrm>
-            <a:off x="377905" y="365760"/>
-            <a:ext cx="1769507" cy="1280160"/>
+            <a:off x="377905" y="182880"/>
+            <a:ext cx="1769507" cy="640080"/>
           </a:xfrm>
         </p:spPr>
         <p:txBody>
           <a:bodyPr anchor="b"/>
           <a:lstStyle>
             <a:lvl1pPr>
-              <a:defRPr sz="1920"/>
+              <a:defRPr sz="1280"/>
             </a:lvl1pPr>
           </a:lstStyle>
           <a:p>
@@ -2213,8 +2220,8 @@
         </p:nvSpPr>
         <p:spPr>
           <a:xfrm>
-            <a:off x="2332435" y="789941"/>
-            <a:ext cx="2777490" cy="3898900"/>
+            <a:off x="2332435" y="394970"/>
+            <a:ext cx="2777490" cy="1949450"/>
           </a:xfrm>
         </p:spPr>
         <p:txBody>
@@ -2222,39 +2229,39 @@
           <a:lstStyle>
             <a:lvl1pPr marL="0" indent="0">
               <a:buNone/>
-              <a:defRPr sz="1920"/>
+              <a:defRPr sz="1280"/>
             </a:lvl1pPr>
-            <a:lvl2pPr marL="274320" indent="0">
-              <a:buNone/>
-              <a:defRPr sz="1680"/>
+            <a:lvl2pPr marL="182880" indent="0">
+              <a:buNone/>
+              <a:defRPr sz="1120"/>
             </a:lvl2pPr>
-            <a:lvl3pPr marL="548640" indent="0">
-              <a:buNone/>
-              <a:defRPr sz="1440"/>
+            <a:lvl3pPr marL="365760" indent="0">
+              <a:buNone/>
+              <a:defRPr sz="960"/>
             </a:lvl3pPr>
-            <a:lvl4pPr marL="822960" indent="0">
-              <a:buNone/>
-              <a:defRPr sz="1200"/>
+            <a:lvl4pPr marL="548640" indent="0">
+              <a:buNone/>
+              <a:defRPr sz="800"/>
             </a:lvl4pPr>
-            <a:lvl5pPr marL="1097280" indent="0">
-              <a:buNone/>
-              <a:defRPr sz="1200"/>
+            <a:lvl5pPr marL="731520" indent="0">
+              <a:buNone/>
+              <a:defRPr sz="800"/>
             </a:lvl5pPr>
-            <a:lvl6pPr marL="1371600" indent="0">
-              <a:buNone/>
-              <a:defRPr sz="1200"/>
+            <a:lvl6pPr marL="914400" indent="0">
+              <a:buNone/>
+              <a:defRPr sz="800"/>
             </a:lvl6pPr>
-            <a:lvl7pPr marL="1645920" indent="0">
-              <a:buNone/>
-              <a:defRPr sz="1200"/>
+            <a:lvl7pPr marL="1097280" indent="0">
+              <a:buNone/>
+              <a:defRPr sz="800"/>
             </a:lvl7pPr>
-            <a:lvl8pPr marL="1920240" indent="0">
-              <a:buNone/>
-              <a:defRPr sz="1200"/>
+            <a:lvl8pPr marL="1280160" indent="0">
+              <a:buNone/>
+              <a:defRPr sz="800"/>
             </a:lvl8pPr>
-            <a:lvl9pPr marL="2194560" indent="0">
-              <a:buNone/>
-              <a:defRPr sz="1200"/>
+            <a:lvl9pPr marL="1463040" indent="0">
+              <a:buNone/>
+              <a:defRPr sz="800"/>
             </a:lvl9pPr>
           </a:lstStyle>
           <a:p>
@@ -2278,8 +2285,8 @@
         </p:nvSpPr>
         <p:spPr>
           <a:xfrm>
-            <a:off x="377905" y="1645920"/>
-            <a:ext cx="1769507" cy="3049270"/>
+            <a:off x="377905" y="822960"/>
+            <a:ext cx="1769507" cy="1524635"/>
           </a:xfrm>
         </p:spPr>
         <p:txBody>
@@ -2287,39 +2294,39 @@
           <a:lstStyle>
             <a:lvl1pPr marL="0" indent="0">
               <a:buNone/>
-              <a:defRPr sz="960"/>
+              <a:defRPr sz="640"/>
             </a:lvl1pPr>
-            <a:lvl2pPr marL="274320" indent="0">
-              <a:buNone/>
-              <a:defRPr sz="840"/>
+            <a:lvl2pPr marL="182880" indent="0">
+              <a:buNone/>
+              <a:defRPr sz="560"/>
             </a:lvl2pPr>
-            <a:lvl3pPr marL="548640" indent="0">
-              <a:buNone/>
-              <a:defRPr sz="720"/>
+            <a:lvl3pPr marL="365760" indent="0">
+              <a:buNone/>
+              <a:defRPr sz="480"/>
             </a:lvl3pPr>
-            <a:lvl4pPr marL="822960" indent="0">
-              <a:buNone/>
-              <a:defRPr sz="600"/>
+            <a:lvl4pPr marL="548640" indent="0">
+              <a:buNone/>
+              <a:defRPr sz="400"/>
             </a:lvl4pPr>
-            <a:lvl5pPr marL="1097280" indent="0">
-              <a:buNone/>
-              <a:defRPr sz="600"/>
+            <a:lvl5pPr marL="731520" indent="0">
+              <a:buNone/>
+              <a:defRPr sz="400"/>
             </a:lvl5pPr>
-            <a:lvl6pPr marL="1371600" indent="0">
-              <a:buNone/>
-              <a:defRPr sz="600"/>
+            <a:lvl6pPr marL="914400" indent="0">
+              <a:buNone/>
+              <a:defRPr sz="400"/>
             </a:lvl6pPr>
-            <a:lvl7pPr marL="1645920" indent="0">
-              <a:buNone/>
-              <a:defRPr sz="600"/>
+            <a:lvl7pPr marL="1097280" indent="0">
+              <a:buNone/>
+              <a:defRPr sz="400"/>
             </a:lvl7pPr>
-            <a:lvl8pPr marL="1920240" indent="0">
-              <a:buNone/>
-              <a:defRPr sz="600"/>
+            <a:lvl8pPr marL="1280160" indent="0">
+              <a:buNone/>
+              <a:defRPr sz="400"/>
             </a:lvl8pPr>
-            <a:lvl9pPr marL="2194560" indent="0">
-              <a:buNone/>
-              <a:defRPr sz="600"/>
+            <a:lvl9pPr marL="1463040" indent="0">
+              <a:buNone/>
+              <a:defRPr sz="400"/>
             </a:lvl9pPr>
           </a:lstStyle>
           <a:p>
@@ -2399,7 +2406,7 @@
     </p:spTree>
     <p:extLst>
       <p:ext uri="{BB962C8B-B14F-4D97-AF65-F5344CB8AC3E}">
-        <p14:creationId xmlns:p14="http://schemas.microsoft.com/office/powerpoint/2010/main" val="3778047734"/>
+        <p14:creationId xmlns:p14="http://schemas.microsoft.com/office/powerpoint/2010/main" val="479862591"/>
       </p:ext>
     </p:extLst>
   </p:cSld>
@@ -2413,12 +2420,9 @@
 <p:sldMaster xmlns:a="http://schemas.openxmlformats.org/drawingml/2006/main" xmlns:r="http://schemas.openxmlformats.org/officeDocument/2006/relationships" xmlns:p="http://schemas.openxmlformats.org/presentationml/2006/main">
   <p:cSld>
     <p:bg>
-      <p:bgPr>
-        <a:solidFill>
-          <a:srgbClr val="0E1117"/>
-        </a:solidFill>
-        <a:effectLst/>
-      </p:bgPr>
+      <p:bgRef idx="1001">
+        <a:schemeClr val="bg1"/>
+      </p:bgRef>
     </p:bg>
     <p:spTree>
       <p:nvGrpSpPr>
@@ -2446,8 +2450,8 @@
         </p:nvSpPr>
         <p:spPr>
           <a:xfrm>
-            <a:off x="377190" y="292101"/>
-            <a:ext cx="4732020" cy="1060450"/>
+            <a:off x="377190" y="146050"/>
+            <a:ext cx="4732020" cy="530225"/>
           </a:xfrm>
           <a:prstGeom prst="rect">
             <a:avLst/>
@@ -2479,8 +2483,8 @@
         </p:nvSpPr>
         <p:spPr>
           <a:xfrm>
-            <a:off x="377190" y="1460500"/>
-            <a:ext cx="4732020" cy="3481070"/>
+            <a:off x="377190" y="730250"/>
+            <a:ext cx="4732020" cy="1740535"/>
           </a:xfrm>
           <a:prstGeom prst="rect">
             <a:avLst/>
@@ -2541,8 +2545,8 @@
         </p:nvSpPr>
         <p:spPr>
           <a:xfrm>
-            <a:off x="377190" y="5085081"/>
-            <a:ext cx="1234440" cy="292100"/>
+            <a:off x="377190" y="2542540"/>
+            <a:ext cx="1234440" cy="146050"/>
           </a:xfrm>
           <a:prstGeom prst="rect">
             <a:avLst/>
@@ -2552,7 +2556,7 @@
           <a:bodyPr vert="horz" lIns="91440" tIns="45720" rIns="91440" bIns="45720" rtlCol="0" anchor="ctr"/>
           <a:lstStyle>
             <a:lvl1pPr algn="l">
-              <a:defRPr sz="720">
+              <a:defRPr sz="480">
                 <a:solidFill>
                   <a:schemeClr val="tx1">
                     <a:tint val="75000"/>
@@ -2582,8 +2586,8 @@
         </p:nvSpPr>
         <p:spPr>
           <a:xfrm>
-            <a:off x="1817370" y="5085081"/>
-            <a:ext cx="1851660" cy="292100"/>
+            <a:off x="1817370" y="2542540"/>
+            <a:ext cx="1851660" cy="146050"/>
           </a:xfrm>
           <a:prstGeom prst="rect">
             <a:avLst/>
@@ -2593,7 +2597,7 @@
           <a:bodyPr vert="horz" lIns="91440" tIns="45720" rIns="91440" bIns="45720" rtlCol="0" anchor="ctr"/>
           <a:lstStyle>
             <a:lvl1pPr algn="ctr">
-              <a:defRPr sz="720">
+              <a:defRPr sz="480">
                 <a:solidFill>
                   <a:schemeClr val="tx1">
                     <a:tint val="75000"/>
@@ -2619,8 +2623,8 @@
         </p:nvSpPr>
         <p:spPr>
           <a:xfrm>
-            <a:off x="3874770" y="5085081"/>
-            <a:ext cx="1234440" cy="292100"/>
+            <a:off x="3874770" y="2542540"/>
+            <a:ext cx="1234440" cy="146050"/>
           </a:xfrm>
           <a:prstGeom prst="rect">
             <a:avLst/>
@@ -2630,7 +2634,7 @@
           <a:bodyPr vert="horz" lIns="91440" tIns="45720" rIns="91440" bIns="45720" rtlCol="0" anchor="ctr"/>
           <a:lstStyle>
             <a:lvl1pPr algn="r">
-              <a:defRPr sz="720">
+              <a:defRPr sz="480">
                 <a:solidFill>
                   <a:schemeClr val="tx1">
                     <a:tint val="75000"/>
@@ -2651,27 +2655,27 @@
     </p:spTree>
     <p:extLst>
       <p:ext uri="{BB962C8B-B14F-4D97-AF65-F5344CB8AC3E}">
-        <p14:creationId xmlns:p14="http://schemas.microsoft.com/office/powerpoint/2010/main" val="3502170837"/>
+        <p14:creationId xmlns:p14="http://schemas.microsoft.com/office/powerpoint/2010/main" val="4271782097"/>
       </p:ext>
     </p:extLst>
   </p:cSld>
   <p:clrMap bg1="lt1" tx1="dk1" bg2="lt2" tx2="dk2" accent1="accent1" accent2="accent2" accent3="accent3" accent4="accent4" accent5="accent5" accent6="accent6" hlink="hlink" folHlink="folHlink"/>
   <p:sldLayoutIdLst>
-    <p:sldLayoutId id="2147483661" r:id="rId1"/>
-    <p:sldLayoutId id="2147483662" r:id="rId2"/>
-    <p:sldLayoutId id="2147483663" r:id="rId3"/>
-    <p:sldLayoutId id="2147483664" r:id="rId4"/>
-    <p:sldLayoutId id="2147483665" r:id="rId5"/>
-    <p:sldLayoutId id="2147483666" r:id="rId6"/>
-    <p:sldLayoutId id="2147483667" r:id="rId7"/>
-    <p:sldLayoutId id="2147483668" r:id="rId8"/>
-    <p:sldLayoutId id="2147483669" r:id="rId9"/>
-    <p:sldLayoutId id="2147483670" r:id="rId10"/>
-    <p:sldLayoutId id="2147483671" r:id="rId11"/>
+    <p:sldLayoutId id="2147483673" r:id="rId1"/>
+    <p:sldLayoutId id="2147483674" r:id="rId2"/>
+    <p:sldLayoutId id="2147483675" r:id="rId3"/>
+    <p:sldLayoutId id="2147483676" r:id="rId4"/>
+    <p:sldLayoutId id="2147483677" r:id="rId5"/>
+    <p:sldLayoutId id="2147483678" r:id="rId6"/>
+    <p:sldLayoutId id="2147483679" r:id="rId7"/>
+    <p:sldLayoutId id="2147483680" r:id="rId8"/>
+    <p:sldLayoutId id="2147483681" r:id="rId9"/>
+    <p:sldLayoutId id="2147483682" r:id="rId10"/>
+    <p:sldLayoutId id="2147483683" r:id="rId11"/>
   </p:sldLayoutIdLst>
   <p:txStyles>
     <p:titleStyle>
-      <a:lvl1pPr algn="l" defTabSz="548640" rtl="0" eaLnBrk="1" latinLnBrk="0" hangingPunct="1">
+      <a:lvl1pPr algn="l" defTabSz="365760" rtl="0" eaLnBrk="1" latinLnBrk="0" hangingPunct="1">
         <a:lnSpc>
           <a:spcPct val="90000"/>
         </a:lnSpc>
@@ -2679,7 +2683,7 @@
           <a:spcPct val="0"/>
         </a:spcBef>
         <a:buNone/>
-        <a:defRPr sz="2640" kern="1200">
+        <a:defRPr sz="1760" kern="1200">
           <a:solidFill>
             <a:schemeClr val="tx1"/>
           </a:solidFill>
@@ -2690,16 +2694,16 @@
       </a:lvl1pPr>
     </p:titleStyle>
     <p:bodyStyle>
-      <a:lvl1pPr marL="137160" indent="-137160" algn="l" defTabSz="548640" rtl="0" eaLnBrk="1" latinLnBrk="0" hangingPunct="1">
+      <a:lvl1pPr marL="91440" indent="-91440" algn="l" defTabSz="365760" rtl="0" eaLnBrk="1" latinLnBrk="0" hangingPunct="1">
         <a:lnSpc>
           <a:spcPct val="90000"/>
         </a:lnSpc>
         <a:spcBef>
-          <a:spcPts val="600"/>
+          <a:spcPts val="400"/>
         </a:spcBef>
         <a:buFont typeface="Arial" panose="020B0604020202020204" pitchFamily="34" charset="0"/>
         <a:buChar char="•"/>
-        <a:defRPr sz="1680" kern="1200">
+        <a:defRPr sz="1120" kern="1200">
           <a:solidFill>
             <a:schemeClr val="tx1"/>
           </a:solidFill>
@@ -2708,16 +2712,16 @@
           <a:cs typeface="+mn-cs"/>
         </a:defRPr>
       </a:lvl1pPr>
-      <a:lvl2pPr marL="411480" indent="-137160" algn="l" defTabSz="548640" rtl="0" eaLnBrk="1" latinLnBrk="0" hangingPunct="1">
+      <a:lvl2pPr marL="274320" indent="-91440" algn="l" defTabSz="365760" rtl="0" eaLnBrk="1" latinLnBrk="0" hangingPunct="1">
         <a:lnSpc>
           <a:spcPct val="90000"/>
         </a:lnSpc>
         <a:spcBef>
-          <a:spcPts val="300"/>
+          <a:spcPts val="200"/>
         </a:spcBef>
         <a:buFont typeface="Arial" panose="020B0604020202020204" pitchFamily="34" charset="0"/>
         <a:buChar char="•"/>
-        <a:defRPr sz="1440" kern="1200">
+        <a:defRPr sz="960" kern="1200">
           <a:solidFill>
             <a:schemeClr val="tx1"/>
           </a:solidFill>
@@ -2726,16 +2730,16 @@
           <a:cs typeface="+mn-cs"/>
         </a:defRPr>
       </a:lvl2pPr>
-      <a:lvl3pPr marL="685800" indent="-137160" algn="l" defTabSz="548640" rtl="0" eaLnBrk="1" latinLnBrk="0" hangingPunct="1">
+      <a:lvl3pPr marL="457200" indent="-91440" algn="l" defTabSz="365760" rtl="0" eaLnBrk="1" latinLnBrk="0" hangingPunct="1">
         <a:lnSpc>
           <a:spcPct val="90000"/>
         </a:lnSpc>
         <a:spcBef>
-          <a:spcPts val="300"/>
+          <a:spcPts val="200"/>
         </a:spcBef>
         <a:buFont typeface="Arial" panose="020B0604020202020204" pitchFamily="34" charset="0"/>
         <a:buChar char="•"/>
-        <a:defRPr sz="1200" kern="1200">
+        <a:defRPr sz="800" kern="1200">
           <a:solidFill>
             <a:schemeClr val="tx1"/>
           </a:solidFill>
@@ -2744,16 +2748,16 @@
           <a:cs typeface="+mn-cs"/>
         </a:defRPr>
       </a:lvl3pPr>
-      <a:lvl4pPr marL="960120" indent="-137160" algn="l" defTabSz="548640" rtl="0" eaLnBrk="1" latinLnBrk="0" hangingPunct="1">
+      <a:lvl4pPr marL="640080" indent="-91440" algn="l" defTabSz="365760" rtl="0" eaLnBrk="1" latinLnBrk="0" hangingPunct="1">
         <a:lnSpc>
           <a:spcPct val="90000"/>
         </a:lnSpc>
         <a:spcBef>
-          <a:spcPts val="300"/>
+          <a:spcPts val="200"/>
         </a:spcBef>
         <a:buFont typeface="Arial" panose="020B0604020202020204" pitchFamily="34" charset="0"/>
         <a:buChar char="•"/>
-        <a:defRPr sz="1080" kern="1200">
+        <a:defRPr sz="720" kern="1200">
           <a:solidFill>
             <a:schemeClr val="tx1"/>
           </a:solidFill>
@@ -2762,16 +2766,16 @@
           <a:cs typeface="+mn-cs"/>
         </a:defRPr>
       </a:lvl4pPr>
-      <a:lvl5pPr marL="1234440" indent="-137160" algn="l" defTabSz="548640" rtl="0" eaLnBrk="1" latinLnBrk="0" hangingPunct="1">
+      <a:lvl5pPr marL="822960" indent="-91440" algn="l" defTabSz="365760" rtl="0" eaLnBrk="1" latinLnBrk="0" hangingPunct="1">
         <a:lnSpc>
           <a:spcPct val="90000"/>
         </a:lnSpc>
         <a:spcBef>
-          <a:spcPts val="300"/>
+          <a:spcPts val="200"/>
         </a:spcBef>
         <a:buFont typeface="Arial" panose="020B0604020202020204" pitchFamily="34" charset="0"/>
         <a:buChar char="•"/>
-        <a:defRPr sz="1080" kern="1200">
+        <a:defRPr sz="720" kern="1200">
           <a:solidFill>
             <a:schemeClr val="tx1"/>
           </a:solidFill>
@@ -2780,16 +2784,16 @@
           <a:cs typeface="+mn-cs"/>
         </a:defRPr>
       </a:lvl5pPr>
-      <a:lvl6pPr marL="1508760" indent="-137160" algn="l" defTabSz="548640" rtl="0" eaLnBrk="1" latinLnBrk="0" hangingPunct="1">
+      <a:lvl6pPr marL="1005840" indent="-91440" algn="l" defTabSz="365760" rtl="0" eaLnBrk="1" latinLnBrk="0" hangingPunct="1">
         <a:lnSpc>
           <a:spcPct val="90000"/>
         </a:lnSpc>
         <a:spcBef>
-          <a:spcPts val="300"/>
+          <a:spcPts val="200"/>
         </a:spcBef>
         <a:buFont typeface="Arial" panose="020B0604020202020204" pitchFamily="34" charset="0"/>
         <a:buChar char="•"/>
-        <a:defRPr sz="1080" kern="1200">
+        <a:defRPr sz="720" kern="1200">
           <a:solidFill>
             <a:schemeClr val="tx1"/>
           </a:solidFill>
@@ -2798,16 +2802,16 @@
           <a:cs typeface="+mn-cs"/>
         </a:defRPr>
       </a:lvl6pPr>
-      <a:lvl7pPr marL="1783080" indent="-137160" algn="l" defTabSz="548640" rtl="0" eaLnBrk="1" latinLnBrk="0" hangingPunct="1">
+      <a:lvl7pPr marL="1188720" indent="-91440" algn="l" defTabSz="365760" rtl="0" eaLnBrk="1" latinLnBrk="0" hangingPunct="1">
         <a:lnSpc>
           <a:spcPct val="90000"/>
         </a:lnSpc>
         <a:spcBef>
-          <a:spcPts val="300"/>
+          <a:spcPts val="200"/>
         </a:spcBef>
         <a:buFont typeface="Arial" panose="020B0604020202020204" pitchFamily="34" charset="0"/>
         <a:buChar char="•"/>
-        <a:defRPr sz="1080" kern="1200">
+        <a:defRPr sz="720" kern="1200">
           <a:solidFill>
             <a:schemeClr val="tx1"/>
           </a:solidFill>
@@ -2816,16 +2820,16 @@
           <a:cs typeface="+mn-cs"/>
         </a:defRPr>
       </a:lvl7pPr>
-      <a:lvl8pPr marL="2057400" indent="-137160" algn="l" defTabSz="548640" rtl="0" eaLnBrk="1" latinLnBrk="0" hangingPunct="1">
+      <a:lvl8pPr marL="1371600" indent="-91440" algn="l" defTabSz="365760" rtl="0" eaLnBrk="1" latinLnBrk="0" hangingPunct="1">
         <a:lnSpc>
           <a:spcPct val="90000"/>
         </a:lnSpc>
         <a:spcBef>
-          <a:spcPts val="300"/>
+          <a:spcPts val="200"/>
         </a:spcBef>
         <a:buFont typeface="Arial" panose="020B0604020202020204" pitchFamily="34" charset="0"/>
         <a:buChar char="•"/>
-        <a:defRPr sz="1080" kern="1200">
+        <a:defRPr sz="720" kern="1200">
           <a:solidFill>
             <a:schemeClr val="tx1"/>
           </a:solidFill>
@@ -2834,16 +2838,16 @@
           <a:cs typeface="+mn-cs"/>
         </a:defRPr>
       </a:lvl8pPr>
-      <a:lvl9pPr marL="2331720" indent="-137160" algn="l" defTabSz="548640" rtl="0" eaLnBrk="1" latinLnBrk="0" hangingPunct="1">
+      <a:lvl9pPr marL="1554480" indent="-91440" algn="l" defTabSz="365760" rtl="0" eaLnBrk="1" latinLnBrk="0" hangingPunct="1">
         <a:lnSpc>
           <a:spcPct val="90000"/>
         </a:lnSpc>
         <a:spcBef>
-          <a:spcPts val="300"/>
+          <a:spcPts val="200"/>
         </a:spcBef>
         <a:buFont typeface="Arial" panose="020B0604020202020204" pitchFamily="34" charset="0"/>
         <a:buChar char="•"/>
-        <a:defRPr sz="1080" kern="1200">
+        <a:defRPr sz="720" kern="1200">
           <a:solidFill>
             <a:schemeClr val="tx1"/>
           </a:solidFill>
@@ -2857,8 +2861,8 @@
       <a:defPPr>
         <a:defRPr lang="en-US"/>
       </a:defPPr>
-      <a:lvl1pPr marL="0" algn="l" defTabSz="548640" rtl="0" eaLnBrk="1" latinLnBrk="0" hangingPunct="1">
-        <a:defRPr sz="1080" kern="1200">
+      <a:lvl1pPr marL="0" algn="l" defTabSz="365760" rtl="0" eaLnBrk="1" latinLnBrk="0" hangingPunct="1">
+        <a:defRPr sz="720" kern="1200">
           <a:solidFill>
             <a:schemeClr val="tx1"/>
           </a:solidFill>
@@ -2867,8 +2871,8 @@
           <a:cs typeface="+mn-cs"/>
         </a:defRPr>
       </a:lvl1pPr>
-      <a:lvl2pPr marL="274320" algn="l" defTabSz="548640" rtl="0" eaLnBrk="1" latinLnBrk="0" hangingPunct="1">
-        <a:defRPr sz="1080" kern="1200">
+      <a:lvl2pPr marL="182880" algn="l" defTabSz="365760" rtl="0" eaLnBrk="1" latinLnBrk="0" hangingPunct="1">
+        <a:defRPr sz="720" kern="1200">
           <a:solidFill>
             <a:schemeClr val="tx1"/>
           </a:solidFill>
@@ -2877,8 +2881,8 @@
           <a:cs typeface="+mn-cs"/>
         </a:defRPr>
       </a:lvl2pPr>
-      <a:lvl3pPr marL="548640" algn="l" defTabSz="548640" rtl="0" eaLnBrk="1" latinLnBrk="0" hangingPunct="1">
-        <a:defRPr sz="1080" kern="1200">
+      <a:lvl3pPr marL="365760" algn="l" defTabSz="365760" rtl="0" eaLnBrk="1" latinLnBrk="0" hangingPunct="1">
+        <a:defRPr sz="720" kern="1200">
           <a:solidFill>
             <a:schemeClr val="tx1"/>
           </a:solidFill>
@@ -2887,8 +2891,8 @@
           <a:cs typeface="+mn-cs"/>
         </a:defRPr>
       </a:lvl3pPr>
-      <a:lvl4pPr marL="822960" algn="l" defTabSz="548640" rtl="0" eaLnBrk="1" latinLnBrk="0" hangingPunct="1">
-        <a:defRPr sz="1080" kern="1200">
+      <a:lvl4pPr marL="548640" algn="l" defTabSz="365760" rtl="0" eaLnBrk="1" latinLnBrk="0" hangingPunct="1">
+        <a:defRPr sz="720" kern="1200">
           <a:solidFill>
             <a:schemeClr val="tx1"/>
           </a:solidFill>
@@ -2897,8 +2901,8 @@
           <a:cs typeface="+mn-cs"/>
         </a:defRPr>
       </a:lvl4pPr>
-      <a:lvl5pPr marL="1097280" algn="l" defTabSz="548640" rtl="0" eaLnBrk="1" latinLnBrk="0" hangingPunct="1">
-        <a:defRPr sz="1080" kern="1200">
+      <a:lvl5pPr marL="731520" algn="l" defTabSz="365760" rtl="0" eaLnBrk="1" latinLnBrk="0" hangingPunct="1">
+        <a:defRPr sz="720" kern="1200">
           <a:solidFill>
             <a:schemeClr val="tx1"/>
           </a:solidFill>
@@ -2907,8 +2911,8 @@
           <a:cs typeface="+mn-cs"/>
         </a:defRPr>
       </a:lvl5pPr>
-      <a:lvl6pPr marL="1371600" algn="l" defTabSz="548640" rtl="0" eaLnBrk="1" latinLnBrk="0" hangingPunct="1">
-        <a:defRPr sz="1080" kern="1200">
+      <a:lvl6pPr marL="914400" algn="l" defTabSz="365760" rtl="0" eaLnBrk="1" latinLnBrk="0" hangingPunct="1">
+        <a:defRPr sz="720" kern="1200">
           <a:solidFill>
             <a:schemeClr val="tx1"/>
           </a:solidFill>
@@ -2917,8 +2921,8 @@
           <a:cs typeface="+mn-cs"/>
         </a:defRPr>
       </a:lvl6pPr>
-      <a:lvl7pPr marL="1645920" algn="l" defTabSz="548640" rtl="0" eaLnBrk="1" latinLnBrk="0" hangingPunct="1">
-        <a:defRPr sz="1080" kern="1200">
+      <a:lvl7pPr marL="1097280" algn="l" defTabSz="365760" rtl="0" eaLnBrk="1" latinLnBrk="0" hangingPunct="1">
+        <a:defRPr sz="720" kern="1200">
           <a:solidFill>
             <a:schemeClr val="tx1"/>
           </a:solidFill>
@@ -2927,8 +2931,8 @@
           <a:cs typeface="+mn-cs"/>
         </a:defRPr>
       </a:lvl7pPr>
-      <a:lvl8pPr marL="1920240" algn="l" defTabSz="548640" rtl="0" eaLnBrk="1" latinLnBrk="0" hangingPunct="1">
-        <a:defRPr sz="1080" kern="1200">
+      <a:lvl8pPr marL="1280160" algn="l" defTabSz="365760" rtl="0" eaLnBrk="1" latinLnBrk="0" hangingPunct="1">
+        <a:defRPr sz="720" kern="1200">
           <a:solidFill>
             <a:schemeClr val="tx1"/>
           </a:solidFill>
@@ -2937,8 +2941,8 @@
           <a:cs typeface="+mn-cs"/>
         </a:defRPr>
       </a:lvl8pPr>
-      <a:lvl9pPr marL="2194560" algn="l" defTabSz="548640" rtl="0" eaLnBrk="1" latinLnBrk="0" hangingPunct="1">
-        <a:defRPr sz="1080" kern="1200">
+      <a:lvl9pPr marL="1463040" algn="l" defTabSz="365760" rtl="0" eaLnBrk="1" latinLnBrk="0" hangingPunct="1">
+        <a:defRPr sz="720" kern="1200">
           <a:solidFill>
             <a:schemeClr val="tx1"/>
           </a:solidFill>
@@ -3000,7 +3004,7 @@
         </p:blipFill>
         <p:spPr>
           <a:xfrm>
-            <a:off x="286874" y="1828800"/>
+            <a:off x="286874" y="457200"/>
             <a:ext cx="1828800" cy="1828800"/>
           </a:xfrm>
           <a:prstGeom prst="rect">
@@ -3022,7 +3026,7 @@
         </p:nvGrpSpPr>
         <p:grpSpPr>
           <a:xfrm>
-            <a:off x="3184323" y="1905021"/>
+            <a:off x="3184323" y="533426"/>
             <a:ext cx="1828800" cy="2079567"/>
             <a:chOff x="3071035" y="1840285"/>
             <a:chExt cx="1828800" cy="2079567"/>
@@ -3138,7 +3142,7 @@
         </p:blipFill>
         <p:spPr>
           <a:xfrm>
-            <a:off x="2096473" y="2418780"/>
+            <a:off x="2096473" y="1047180"/>
             <a:ext cx="914400" cy="914400"/>
           </a:xfrm>
           <a:prstGeom prst="rect">
@@ -3162,18 +3166,18 @@
 <file path=ppt/theme/theme1.xml><?xml version="1.0" encoding="utf-8"?>
 <a:theme xmlns:a="http://schemas.openxmlformats.org/drawingml/2006/main" name="Office Theme">
   <a:themeElements>
-    <a:clrScheme name="Office Theme">
+    <a:clrScheme name="Custom 1">
       <a:dk1>
-        <a:sysClr val="windowText" lastClr="000000"/>
+        <a:srgbClr val="FFFFFF"/>
       </a:dk1>
       <a:lt1>
-        <a:sysClr val="window" lastClr="FFFFFF"/>
+        <a:srgbClr val="000000"/>
       </a:lt1>
       <a:dk2>
-        <a:srgbClr val="44546A"/>
+        <a:srgbClr val="E7E6E6"/>
       </a:dk2>
       <a:lt2>
-        <a:srgbClr val="E7E6E6"/>
+        <a:srgbClr val="44546A"/>
       </a:lt2>
       <a:accent1>
         <a:srgbClr val="4472C4"/>
